--- a/Pictures/AER Cycle 501 Summary.pptx
+++ b/Pictures/AER Cycle 501 Summary.pptx
@@ -15,9 +15,11 @@
     <p:sldId id="264" r:id="rId9"/>
     <p:sldId id="266" r:id="rId10"/>
     <p:sldId id="267" r:id="rId11"/>
-    <p:sldId id="258" r:id="rId12"/>
-    <p:sldId id="259" r:id="rId13"/>
-    <p:sldId id="262" r:id="rId14"/>
+    <p:sldId id="269" r:id="rId12"/>
+    <p:sldId id="270" r:id="rId13"/>
+    <p:sldId id="258" r:id="rId14"/>
+    <p:sldId id="259" r:id="rId15"/>
+    <p:sldId id="262" r:id="rId16"/>
   </p:sldIdLst>
   <p:sldSz cx="12192000" cy="6858000"/>
   <p:notesSz cx="6858000" cy="9144000"/>
@@ -116,6 +118,11 @@
       </a:defRPr>
     </a:lvl9pPr>
   </p:defaultTextStyle>
+  <p:extLst>
+    <p:ext uri="{EFAFB233-063F-42B5-8137-9DF3F51BA10A}">
+      <p15:sldGuideLst xmlns:p15="http://schemas.microsoft.com/office/powerpoint/2012/main"/>
+    </p:ext>
+  </p:extLst>
 </p:presentation>
 </file>
 
@@ -266,7 +273,7 @@
           <a:p>
             <a:fld id="{D6586926-674C-4F31-BDCA-CDA3511F7052}" type="datetimeFigureOut">
               <a:rPr lang="en-US" smtClean="0"/>
-              <a:t>6/12/2023</a:t>
+              <a:t>6/13/2023</a:t>
             </a:fld>
             <a:endParaRPr lang="en-US"/>
           </a:p>
@@ -464,7 +471,7 @@
           <a:p>
             <a:fld id="{D6586926-674C-4F31-BDCA-CDA3511F7052}" type="datetimeFigureOut">
               <a:rPr lang="en-US" smtClean="0"/>
-              <a:t>6/12/2023</a:t>
+              <a:t>6/13/2023</a:t>
             </a:fld>
             <a:endParaRPr lang="en-US"/>
           </a:p>
@@ -672,7 +679,7 @@
           <a:p>
             <a:fld id="{D6586926-674C-4F31-BDCA-CDA3511F7052}" type="datetimeFigureOut">
               <a:rPr lang="en-US" smtClean="0"/>
-              <a:t>6/12/2023</a:t>
+              <a:t>6/13/2023</a:t>
             </a:fld>
             <a:endParaRPr lang="en-US"/>
           </a:p>
@@ -870,7 +877,7 @@
           <a:p>
             <a:fld id="{D6586926-674C-4F31-BDCA-CDA3511F7052}" type="datetimeFigureOut">
               <a:rPr lang="en-US" smtClean="0"/>
-              <a:t>6/12/2023</a:t>
+              <a:t>6/13/2023</a:t>
             </a:fld>
             <a:endParaRPr lang="en-US"/>
           </a:p>
@@ -1145,7 +1152,7 @@
           <a:p>
             <a:fld id="{D6586926-674C-4F31-BDCA-CDA3511F7052}" type="datetimeFigureOut">
               <a:rPr lang="en-US" smtClean="0"/>
-              <a:t>6/12/2023</a:t>
+              <a:t>6/13/2023</a:t>
             </a:fld>
             <a:endParaRPr lang="en-US"/>
           </a:p>
@@ -1410,7 +1417,7 @@
           <a:p>
             <a:fld id="{D6586926-674C-4F31-BDCA-CDA3511F7052}" type="datetimeFigureOut">
               <a:rPr lang="en-US" smtClean="0"/>
-              <a:t>6/12/2023</a:t>
+              <a:t>6/13/2023</a:t>
             </a:fld>
             <a:endParaRPr lang="en-US"/>
           </a:p>
@@ -1822,7 +1829,7 @@
           <a:p>
             <a:fld id="{D6586926-674C-4F31-BDCA-CDA3511F7052}" type="datetimeFigureOut">
               <a:rPr lang="en-US" smtClean="0"/>
-              <a:t>6/12/2023</a:t>
+              <a:t>6/13/2023</a:t>
             </a:fld>
             <a:endParaRPr lang="en-US"/>
           </a:p>
@@ -1963,7 +1970,7 @@
           <a:p>
             <a:fld id="{D6586926-674C-4F31-BDCA-CDA3511F7052}" type="datetimeFigureOut">
               <a:rPr lang="en-US" smtClean="0"/>
-              <a:t>6/12/2023</a:t>
+              <a:t>6/13/2023</a:t>
             </a:fld>
             <a:endParaRPr lang="en-US"/>
           </a:p>
@@ -2076,7 +2083,7 @@
           <a:p>
             <a:fld id="{D6586926-674C-4F31-BDCA-CDA3511F7052}" type="datetimeFigureOut">
               <a:rPr lang="en-US" smtClean="0"/>
-              <a:t>6/12/2023</a:t>
+              <a:t>6/13/2023</a:t>
             </a:fld>
             <a:endParaRPr lang="en-US"/>
           </a:p>
@@ -2387,7 +2394,7 @@
           <a:p>
             <a:fld id="{D6586926-674C-4F31-BDCA-CDA3511F7052}" type="datetimeFigureOut">
               <a:rPr lang="en-US" smtClean="0"/>
-              <a:t>6/12/2023</a:t>
+              <a:t>6/13/2023</a:t>
             </a:fld>
             <a:endParaRPr lang="en-US"/>
           </a:p>
@@ -2675,7 +2682,7 @@
           <a:p>
             <a:fld id="{D6586926-674C-4F31-BDCA-CDA3511F7052}" type="datetimeFigureOut">
               <a:rPr lang="en-US" smtClean="0"/>
-              <a:t>6/12/2023</a:t>
+              <a:t>6/13/2023</a:t>
             </a:fld>
             <a:endParaRPr lang="en-US"/>
           </a:p>
@@ -2916,7 +2923,7 @@
           <a:p>
             <a:fld id="{D6586926-674C-4F31-BDCA-CDA3511F7052}" type="datetimeFigureOut">
               <a:rPr lang="en-US" smtClean="0"/>
-              <a:t>6/12/2023</a:t>
+              <a:t>6/13/2023</a:t>
             </a:fld>
             <a:endParaRPr lang="en-US"/>
           </a:p>
@@ -3529,136 +3536,153 @@
           <a:chExt cx="0" cy="0"/>
         </a:xfrm>
       </p:grpSpPr>
-      <p:sp>
-        <p:nvSpPr>
-          <p:cNvPr id="2" name="Title 1">
-            <a:extLst>
-              <a:ext uri="{FF2B5EF4-FFF2-40B4-BE49-F238E27FC236}">
-                <a16:creationId xmlns:a16="http://schemas.microsoft.com/office/drawing/2014/main" id="{CBE72D52-067C-58C2-1837-ABA31A1BC0CF}"/>
-              </a:ext>
-            </a:extLst>
-          </p:cNvPr>
-          <p:cNvSpPr>
-            <a:spLocks noGrp="1"/>
-          </p:cNvSpPr>
-          <p:nvPr>
-            <p:ph type="title"/>
-          </p:nvPr>
-        </p:nvSpPr>
-        <p:spPr/>
-        <p:txBody>
-          <a:bodyPr/>
-          <a:lstStyle/>
-          <a:p>
-            <a:r>
-              <a:rPr lang="en-US" dirty="0"/>
-              <a:t>Plans for AER in cycle 502</a:t>
-            </a:r>
-          </a:p>
-        </p:txBody>
-      </p:sp>
-      <p:sp>
-        <p:nvSpPr>
-          <p:cNvPr id="3" name="Content Placeholder 2">
-            <a:extLst>
-              <a:ext uri="{FF2B5EF4-FFF2-40B4-BE49-F238E27FC236}">
-                <a16:creationId xmlns:a16="http://schemas.microsoft.com/office/drawing/2014/main" id="{8346F01D-7B8F-9D45-D69D-B27A1654DC1C}"/>
-              </a:ext>
-            </a:extLst>
-          </p:cNvPr>
-          <p:cNvSpPr>
-            <a:spLocks noGrp="1"/>
-          </p:cNvSpPr>
-          <p:nvPr>
-            <p:ph idx="1"/>
-          </p:nvPr>
-        </p:nvSpPr>
+      <p:pic>
+        <p:nvPicPr>
+          <p:cNvPr id="5" name="Picture 4">
+            <a:extLst>
+              <a:ext uri="{FF2B5EF4-FFF2-40B4-BE49-F238E27FC236}">
+                <a16:creationId xmlns:a16="http://schemas.microsoft.com/office/drawing/2014/main" id="{880F6478-8CEA-9814-21E4-899597661886}"/>
+              </a:ext>
+            </a:extLst>
+          </p:cNvPr>
+          <p:cNvPicPr>
+            <a:picLocks noChangeAspect="1"/>
+          </p:cNvPicPr>
+          <p:nvPr/>
+        </p:nvPicPr>
+        <p:blipFill>
+          <a:blip r:embed="rId2">
+            <a:extLst>
+              <a:ext uri="{28A0092B-C50C-407E-A947-70E740481C1C}">
+                <a14:useLocalDpi xmlns:a14="http://schemas.microsoft.com/office/drawing/2010/main" val="0"/>
+              </a:ext>
+            </a:extLst>
+          </a:blip>
+          <a:stretch>
+            <a:fillRect/>
+          </a:stretch>
+        </p:blipFill>
         <p:spPr>
           <a:xfrm>
-            <a:off x="838200" y="1541846"/>
-            <a:ext cx="10515600" cy="4351338"/>
+            <a:off x="803512" y="77983"/>
+            <a:ext cx="3652875" cy="2880947"/>
           </a:xfrm>
+          <a:prstGeom prst="rect">
+            <a:avLst/>
+          </a:prstGeom>
         </p:spPr>
-        <p:txBody>
-          <a:bodyPr>
-            <a:normAutofit fontScale="92500" lnSpcReduction="20000"/>
+      </p:pic>
+      <p:pic>
+        <p:nvPicPr>
+          <p:cNvPr id="7" name="Picture 6">
+            <a:extLst>
+              <a:ext uri="{FF2B5EF4-FFF2-40B4-BE49-F238E27FC236}">
+                <a16:creationId xmlns:a16="http://schemas.microsoft.com/office/drawing/2014/main" id="{2D385457-78C5-83DC-AF66-48B006F619A1}"/>
+              </a:ext>
+            </a:extLst>
+          </p:cNvPr>
+          <p:cNvPicPr>
+            <a:picLocks noChangeAspect="1"/>
+          </p:cNvPicPr>
+          <p:nvPr/>
+        </p:nvPicPr>
+        <p:blipFill>
+          <a:blip r:embed="rId3">
+            <a:extLst>
+              <a:ext uri="{28A0092B-C50C-407E-A947-70E740481C1C}">
+                <a14:useLocalDpi xmlns:a14="http://schemas.microsoft.com/office/drawing/2010/main" val="0"/>
+              </a:ext>
+            </a:extLst>
+          </a:blip>
+          <a:stretch>
+            <a:fillRect/>
+          </a:stretch>
+        </p:blipFill>
+        <p:spPr>
+          <a:xfrm>
+            <a:off x="708918" y="3350751"/>
+            <a:ext cx="3747469" cy="2955551"/>
+          </a:xfrm>
+          <a:prstGeom prst="rect">
+            <a:avLst/>
+          </a:prstGeom>
+        </p:spPr>
+      </p:pic>
+      <p:pic>
+        <p:nvPicPr>
+          <p:cNvPr id="9" name="Picture 8">
+            <a:extLst>
+              <a:ext uri="{FF2B5EF4-FFF2-40B4-BE49-F238E27FC236}">
+                <a16:creationId xmlns:a16="http://schemas.microsoft.com/office/drawing/2014/main" id="{9BC62281-B82E-D0AD-4353-CED24FCCD91E}"/>
+              </a:ext>
+            </a:extLst>
+          </p:cNvPr>
+          <p:cNvPicPr>
+            <a:picLocks noChangeAspect="1"/>
+          </p:cNvPicPr>
+          <p:nvPr/>
+        </p:nvPicPr>
+        <p:blipFill>
+          <a:blip r:embed="rId4">
+            <a:extLst>
+              <a:ext uri="{28A0092B-C50C-407E-A947-70E740481C1C}">
+                <a14:useLocalDpi xmlns:a14="http://schemas.microsoft.com/office/drawing/2010/main" val="0"/>
+              </a:ext>
+            </a:extLst>
+          </a:blip>
+          <a:stretch>
+            <a:fillRect/>
+          </a:stretch>
+        </p:blipFill>
+        <p:spPr>
+          <a:xfrm>
+            <a:off x="5130250" y="676866"/>
+            <a:ext cx="6135636" cy="4828042"/>
+          </a:xfrm>
+          <a:prstGeom prst="rect">
+            <a:avLst/>
+          </a:prstGeom>
+        </p:spPr>
+      </p:pic>
+      <p:sp>
+        <p:nvSpPr>
+          <p:cNvPr id="10" name="TextBox 9">
+            <a:extLst>
+              <a:ext uri="{FF2B5EF4-FFF2-40B4-BE49-F238E27FC236}">
+                <a16:creationId xmlns:a16="http://schemas.microsoft.com/office/drawing/2014/main" id="{8E97D111-E4DC-060B-0650-E967AF816A90}"/>
+              </a:ext>
+            </a:extLst>
+          </p:cNvPr>
+          <p:cNvSpPr txBox="1"/>
+          <p:nvPr/>
+        </p:nvSpPr>
+        <p:spPr>
+          <a:xfrm>
+            <a:off x="6814260" y="5644055"/>
+            <a:ext cx="2767617" cy="369332"/>
+          </a:xfrm>
+          <a:prstGeom prst="rect">
+            <a:avLst/>
+          </a:prstGeom>
+          <a:noFill/>
+        </p:spPr>
+        <p:txBody>
+          <a:bodyPr wrap="none" rtlCol="0">
+            <a:spAutoFit/>
           </a:bodyPr>
           <a:lstStyle/>
           <a:p>
             <a:r>
               <a:rPr lang="en-US" dirty="0"/>
-              <a:t>Design mount for Timepix3 on goniometer </a:t>
-            </a:r>
-          </a:p>
-          <a:p>
-            <a:r>
-              <a:rPr lang="en-US" dirty="0"/>
-              <a:t>Design collimator to ensure uniform</a:t>
-            </a:r>
-          </a:p>
-          <a:p>
-            <a:r>
-              <a:rPr lang="en-US" dirty="0"/>
-              <a:t>Print grating with a period that is smaller than the “intrinsic D/L ratio” of the angular structure of the beam</a:t>
-            </a:r>
-          </a:p>
-          <a:p>
-            <a:r>
-              <a:rPr lang="en-US" dirty="0"/>
-              <a:t>Move camera back to artificially reduce imaging resolution?</a:t>
-            </a:r>
-          </a:p>
-          <a:p>
-            <a:r>
-              <a:rPr lang="en-US" dirty="0"/>
-              <a:t>Use Timepix3 instead of Anger camera?</a:t>
-            </a:r>
-          </a:p>
-          <a:p>
-            <a:r>
-              <a:rPr lang="en-US" dirty="0"/>
-              <a:t>Adjust the monochromator to get rid of the beating?</a:t>
-            </a:r>
-          </a:p>
-          <a:p>
-            <a:r>
-              <a:rPr lang="en-US" dirty="0"/>
-              <a:t>Try a diffuser to spread out the beam?</a:t>
-            </a:r>
-          </a:p>
-          <a:p>
-            <a:pPr lvl="1"/>
-            <a:r>
-              <a:rPr lang="en-US" dirty="0"/>
-              <a:t>Glassy carbon</a:t>
-            </a:r>
-          </a:p>
-          <a:p>
-            <a:pPr lvl="1"/>
-            <a:r>
-              <a:rPr lang="en-US" dirty="0"/>
-              <a:t>Graphite again?</a:t>
-            </a:r>
-          </a:p>
-          <a:p>
-            <a:pPr lvl="1"/>
-            <a:r>
-              <a:rPr lang="en-US" dirty="0"/>
-              <a:t>Diffuser from CG1D (nanoparticle?)</a:t>
-            </a:r>
-          </a:p>
-          <a:p>
-            <a:endParaRPr lang="en-US" dirty="0"/>
-          </a:p>
-          <a:p>
-            <a:endParaRPr lang="en-US" dirty="0"/>
+              <a:t>MWP 1 amp reconstruction</a:t>
+            </a:r>
           </a:p>
         </p:txBody>
       </p:sp>
     </p:spTree>
     <p:extLst>
       <p:ext uri="{BB962C8B-B14F-4D97-AF65-F5344CB8AC3E}">
-        <p14:creationId xmlns:p14="http://schemas.microsoft.com/office/powerpoint/2010/main" val="2893211500"/>
+        <p14:creationId xmlns:p14="http://schemas.microsoft.com/office/powerpoint/2010/main" val="2872180617"/>
       </p:ext>
     </p:extLst>
   </p:cSld>
@@ -3690,6 +3714,242 @@
           <p:cNvPr id="2" name="Title 1">
             <a:extLst>
               <a:ext uri="{FF2B5EF4-FFF2-40B4-BE49-F238E27FC236}">
+                <a16:creationId xmlns:a16="http://schemas.microsoft.com/office/drawing/2014/main" id="{A9750F85-1E27-7AAE-D156-0938A744FBE5}"/>
+              </a:ext>
+            </a:extLst>
+          </p:cNvPr>
+          <p:cNvSpPr>
+            <a:spLocks noGrp="1"/>
+          </p:cNvSpPr>
+          <p:nvPr>
+            <p:ph type="title"/>
+          </p:nvPr>
+        </p:nvSpPr>
+        <p:spPr/>
+        <p:txBody>
+          <a:bodyPr/>
+          <a:lstStyle/>
+          <a:p>
+            <a:endParaRPr lang="en-US"/>
+          </a:p>
+        </p:txBody>
+      </p:sp>
+      <p:sp>
+        <p:nvSpPr>
+          <p:cNvPr id="3" name="Content Placeholder 2">
+            <a:extLst>
+              <a:ext uri="{FF2B5EF4-FFF2-40B4-BE49-F238E27FC236}">
+                <a16:creationId xmlns:a16="http://schemas.microsoft.com/office/drawing/2014/main" id="{473F67DB-09BA-F17C-B927-4CB1F6776621}"/>
+              </a:ext>
+            </a:extLst>
+          </p:cNvPr>
+          <p:cNvSpPr>
+            <a:spLocks noGrp="1"/>
+          </p:cNvSpPr>
+          <p:nvPr>
+            <p:ph idx="1"/>
+          </p:nvPr>
+        </p:nvSpPr>
+        <p:spPr/>
+        <p:txBody>
+          <a:bodyPr/>
+          <a:lstStyle/>
+          <a:p>
+            <a:endParaRPr lang="en-US"/>
+          </a:p>
+        </p:txBody>
+      </p:sp>
+    </p:spTree>
+    <p:extLst>
+      <p:ext uri="{BB962C8B-B14F-4D97-AF65-F5344CB8AC3E}">
+        <p14:creationId xmlns:p14="http://schemas.microsoft.com/office/powerpoint/2010/main" val="1794676785"/>
+      </p:ext>
+    </p:extLst>
+  </p:cSld>
+  <p:clrMapOvr>
+    <a:masterClrMapping/>
+  </p:clrMapOvr>
+</p:sld>
+</file>
+
+<file path=ppt/slides/slide13.xml><?xml version="1.0" encoding="utf-8"?>
+<p:sld xmlns:a="http://schemas.openxmlformats.org/drawingml/2006/main" xmlns:r="http://schemas.openxmlformats.org/officeDocument/2006/relationships" xmlns:p="http://schemas.openxmlformats.org/presentationml/2006/main">
+  <p:cSld>
+    <p:spTree>
+      <p:nvGrpSpPr>
+        <p:cNvPr id="1" name=""/>
+        <p:cNvGrpSpPr/>
+        <p:nvPr/>
+      </p:nvGrpSpPr>
+      <p:grpSpPr>
+        <a:xfrm>
+          <a:off x="0" y="0"/>
+          <a:ext cx="0" cy="0"/>
+          <a:chOff x="0" y="0"/>
+          <a:chExt cx="0" cy="0"/>
+        </a:xfrm>
+      </p:grpSpPr>
+      <p:sp>
+        <p:nvSpPr>
+          <p:cNvPr id="2" name="Title 1">
+            <a:extLst>
+              <a:ext uri="{FF2B5EF4-FFF2-40B4-BE49-F238E27FC236}">
+                <a16:creationId xmlns:a16="http://schemas.microsoft.com/office/drawing/2014/main" id="{CBE72D52-067C-58C2-1837-ABA31A1BC0CF}"/>
+              </a:ext>
+            </a:extLst>
+          </p:cNvPr>
+          <p:cNvSpPr>
+            <a:spLocks noGrp="1"/>
+          </p:cNvSpPr>
+          <p:nvPr>
+            <p:ph type="title"/>
+          </p:nvPr>
+        </p:nvSpPr>
+        <p:spPr/>
+        <p:txBody>
+          <a:bodyPr/>
+          <a:lstStyle/>
+          <a:p>
+            <a:r>
+              <a:rPr lang="en-US" dirty="0"/>
+              <a:t>Plans for AER in cycle 502</a:t>
+            </a:r>
+          </a:p>
+        </p:txBody>
+      </p:sp>
+      <p:sp>
+        <p:nvSpPr>
+          <p:cNvPr id="3" name="Content Placeholder 2">
+            <a:extLst>
+              <a:ext uri="{FF2B5EF4-FFF2-40B4-BE49-F238E27FC236}">
+                <a16:creationId xmlns:a16="http://schemas.microsoft.com/office/drawing/2014/main" id="{8346F01D-7B8F-9D45-D69D-B27A1654DC1C}"/>
+              </a:ext>
+            </a:extLst>
+          </p:cNvPr>
+          <p:cNvSpPr>
+            <a:spLocks noGrp="1"/>
+          </p:cNvSpPr>
+          <p:nvPr>
+            <p:ph idx="1"/>
+          </p:nvPr>
+        </p:nvSpPr>
+        <p:spPr>
+          <a:xfrm>
+            <a:off x="838200" y="1541846"/>
+            <a:ext cx="10515600" cy="4351338"/>
+          </a:xfrm>
+        </p:spPr>
+        <p:txBody>
+          <a:bodyPr>
+            <a:normAutofit fontScale="92500" lnSpcReduction="20000"/>
+          </a:bodyPr>
+          <a:lstStyle/>
+          <a:p>
+            <a:r>
+              <a:rPr lang="en-US" dirty="0"/>
+              <a:t>Design mount for Timepix3 on goniometer </a:t>
+            </a:r>
+          </a:p>
+          <a:p>
+            <a:r>
+              <a:rPr lang="en-US" dirty="0"/>
+              <a:t>Design collimator to ensure uniform</a:t>
+            </a:r>
+          </a:p>
+          <a:p>
+            <a:r>
+              <a:rPr lang="en-US" dirty="0"/>
+              <a:t>Print grating with a period that is smaller than the “intrinsic D/L ratio” of the angular structure of the beam</a:t>
+            </a:r>
+          </a:p>
+          <a:p>
+            <a:r>
+              <a:rPr lang="en-US" dirty="0"/>
+              <a:t>Move camera back to artificially reduce imaging resolution?</a:t>
+            </a:r>
+          </a:p>
+          <a:p>
+            <a:r>
+              <a:rPr lang="en-US" dirty="0"/>
+              <a:t>Use Timepix3 instead of Anger camera?</a:t>
+            </a:r>
+          </a:p>
+          <a:p>
+            <a:r>
+              <a:rPr lang="en-US" dirty="0"/>
+              <a:t>Adjust the monochromator to get rid of the beating?</a:t>
+            </a:r>
+          </a:p>
+          <a:p>
+            <a:r>
+              <a:rPr lang="en-US" dirty="0"/>
+              <a:t>Try a diffuser to spread out the beam?</a:t>
+            </a:r>
+          </a:p>
+          <a:p>
+            <a:pPr lvl="1"/>
+            <a:r>
+              <a:rPr lang="en-US" dirty="0"/>
+              <a:t>Glassy carbon</a:t>
+            </a:r>
+          </a:p>
+          <a:p>
+            <a:pPr lvl="1"/>
+            <a:r>
+              <a:rPr lang="en-US" dirty="0"/>
+              <a:t>Graphite again?</a:t>
+            </a:r>
+          </a:p>
+          <a:p>
+            <a:pPr lvl="1"/>
+            <a:r>
+              <a:rPr lang="en-US" dirty="0"/>
+              <a:t>Diffuser from CG1D (nanoparticle?)</a:t>
+            </a:r>
+          </a:p>
+          <a:p>
+            <a:endParaRPr lang="en-US" dirty="0"/>
+          </a:p>
+          <a:p>
+            <a:endParaRPr lang="en-US" dirty="0"/>
+          </a:p>
+        </p:txBody>
+      </p:sp>
+    </p:spTree>
+    <p:extLst>
+      <p:ext uri="{BB962C8B-B14F-4D97-AF65-F5344CB8AC3E}">
+        <p14:creationId xmlns:p14="http://schemas.microsoft.com/office/powerpoint/2010/main" val="2893211500"/>
+      </p:ext>
+    </p:extLst>
+  </p:cSld>
+  <p:clrMapOvr>
+    <a:masterClrMapping/>
+  </p:clrMapOvr>
+</p:sld>
+</file>
+
+<file path=ppt/slides/slide14.xml><?xml version="1.0" encoding="utf-8"?>
+<p:sld xmlns:a="http://schemas.openxmlformats.org/drawingml/2006/main" xmlns:r="http://schemas.openxmlformats.org/officeDocument/2006/relationships" xmlns:p="http://schemas.openxmlformats.org/presentationml/2006/main">
+  <p:cSld>
+    <p:spTree>
+      <p:nvGrpSpPr>
+        <p:cNvPr id="1" name=""/>
+        <p:cNvGrpSpPr/>
+        <p:nvPr/>
+      </p:nvGrpSpPr>
+      <p:grpSpPr>
+        <a:xfrm>
+          <a:off x="0" y="0"/>
+          <a:ext cx="0" cy="0"/>
+          <a:chOff x="0" y="0"/>
+          <a:chExt cx="0" cy="0"/>
+        </a:xfrm>
+      </p:grpSpPr>
+      <p:sp>
+        <p:nvSpPr>
+          <p:cNvPr id="2" name="Title 1">
+            <a:extLst>
+              <a:ext uri="{FF2B5EF4-FFF2-40B4-BE49-F238E27FC236}">
                 <a16:creationId xmlns:a16="http://schemas.microsoft.com/office/drawing/2014/main" id="{0B847753-BB66-D2A3-C6B5-DBCA15DA29D3}"/>
               </a:ext>
             </a:extLst>
@@ -3773,7 +4033,7 @@
 </p:sld>
 </file>
 
-<file path=ppt/slides/slide13.xml><?xml version="1.0" encoding="utf-8"?>
+<file path=ppt/slides/slide15.xml><?xml version="1.0" encoding="utf-8"?>
 <p:sld xmlns:a="http://schemas.openxmlformats.org/drawingml/2006/main" xmlns:r="http://schemas.openxmlformats.org/officeDocument/2006/relationships" xmlns:p="http://schemas.openxmlformats.org/presentationml/2006/main">
   <p:cSld>
     <p:spTree>
